--- a/Presentation1.pptx
+++ b/Presentation1.pptx
@@ -9,6 +9,7 @@
     <p:sldId id="257" r:id="rId3"/>
     <p:sldId id="258" r:id="rId4"/>
     <p:sldId id="259" r:id="rId5"/>
+    <p:sldId id="260" r:id="rId6"/>
   </p:sldIdLst>
   <p:sldSz cx="9144000" cy="6858000" type="screen4x3"/>
   <p:notesSz cx="6858000" cy="9144000"/>
@@ -291,7 +292,8 @@
           <a:p>
             <a:fld id="{03711D71-09E3-4382-92F2-3BC8A6B0223D}" type="datetimeFigureOut">
               <a:rPr lang="en-US" smtClean="0"/>
-              <a:t>7/2/2017</a:t>
+              <a:pPr/>
+              <a:t>7/3/2017</a:t>
             </a:fld>
             <a:endParaRPr lang="en-US"/>
           </a:p>
@@ -333,6 +335,7 @@
           <a:p>
             <a:fld id="{12D9E974-292C-4D93-85F6-38813526C681}" type="slidenum">
               <a:rPr lang="en-US" smtClean="0"/>
+              <a:pPr/>
               <a:t>‹#›</a:t>
             </a:fld>
             <a:endParaRPr lang="en-US"/>
@@ -456,7 +459,8 @@
           <a:p>
             <a:fld id="{03711D71-09E3-4382-92F2-3BC8A6B0223D}" type="datetimeFigureOut">
               <a:rPr lang="en-US" smtClean="0"/>
-              <a:t>7/2/2017</a:t>
+              <a:pPr/>
+              <a:t>7/3/2017</a:t>
             </a:fld>
             <a:endParaRPr lang="en-US"/>
           </a:p>
@@ -498,6 +502,7 @@
           <a:p>
             <a:fld id="{12D9E974-292C-4D93-85F6-38813526C681}" type="slidenum">
               <a:rPr lang="en-US" smtClean="0"/>
+              <a:pPr/>
               <a:t>‹#›</a:t>
             </a:fld>
             <a:endParaRPr lang="en-US"/>
@@ -631,7 +636,8 @@
           <a:p>
             <a:fld id="{03711D71-09E3-4382-92F2-3BC8A6B0223D}" type="datetimeFigureOut">
               <a:rPr lang="en-US" smtClean="0"/>
-              <a:t>7/2/2017</a:t>
+              <a:pPr/>
+              <a:t>7/3/2017</a:t>
             </a:fld>
             <a:endParaRPr lang="en-US"/>
           </a:p>
@@ -673,6 +679,7 @@
           <a:p>
             <a:fld id="{12D9E974-292C-4D93-85F6-38813526C681}" type="slidenum">
               <a:rPr lang="en-US" smtClean="0"/>
+              <a:pPr/>
               <a:t>‹#›</a:t>
             </a:fld>
             <a:endParaRPr lang="en-US"/>
@@ -796,7 +803,8 @@
           <a:p>
             <a:fld id="{03711D71-09E3-4382-92F2-3BC8A6B0223D}" type="datetimeFigureOut">
               <a:rPr lang="en-US" smtClean="0"/>
-              <a:t>7/2/2017</a:t>
+              <a:pPr/>
+              <a:t>7/3/2017</a:t>
             </a:fld>
             <a:endParaRPr lang="en-US"/>
           </a:p>
@@ -838,6 +846,7 @@
           <a:p>
             <a:fld id="{12D9E974-292C-4D93-85F6-38813526C681}" type="slidenum">
               <a:rPr lang="en-US" smtClean="0"/>
+              <a:pPr/>
               <a:t>‹#›</a:t>
             </a:fld>
             <a:endParaRPr lang="en-US"/>
@@ -1037,7 +1046,8 @@
           <a:p>
             <a:fld id="{03711D71-09E3-4382-92F2-3BC8A6B0223D}" type="datetimeFigureOut">
               <a:rPr lang="en-US" smtClean="0"/>
-              <a:t>7/2/2017</a:t>
+              <a:pPr/>
+              <a:t>7/3/2017</a:t>
             </a:fld>
             <a:endParaRPr lang="en-US"/>
           </a:p>
@@ -1079,6 +1089,7 @@
           <a:p>
             <a:fld id="{12D9E974-292C-4D93-85F6-38813526C681}" type="slidenum">
               <a:rPr lang="en-US" smtClean="0"/>
+              <a:pPr/>
               <a:t>‹#›</a:t>
             </a:fld>
             <a:endParaRPr lang="en-US"/>
@@ -1320,7 +1331,8 @@
           <a:p>
             <a:fld id="{03711D71-09E3-4382-92F2-3BC8A6B0223D}" type="datetimeFigureOut">
               <a:rPr lang="en-US" smtClean="0"/>
-              <a:t>7/2/2017</a:t>
+              <a:pPr/>
+              <a:t>7/3/2017</a:t>
             </a:fld>
             <a:endParaRPr lang="en-US"/>
           </a:p>
@@ -1362,6 +1374,7 @@
           <a:p>
             <a:fld id="{12D9E974-292C-4D93-85F6-38813526C681}" type="slidenum">
               <a:rPr lang="en-US" smtClean="0"/>
+              <a:pPr/>
               <a:t>‹#›</a:t>
             </a:fld>
             <a:endParaRPr lang="en-US"/>
@@ -1737,7 +1750,8 @@
           <a:p>
             <a:fld id="{03711D71-09E3-4382-92F2-3BC8A6B0223D}" type="datetimeFigureOut">
               <a:rPr lang="en-US" smtClean="0"/>
-              <a:t>7/2/2017</a:t>
+              <a:pPr/>
+              <a:t>7/3/2017</a:t>
             </a:fld>
             <a:endParaRPr lang="en-US"/>
           </a:p>
@@ -1779,6 +1793,7 @@
           <a:p>
             <a:fld id="{12D9E974-292C-4D93-85F6-38813526C681}" type="slidenum">
               <a:rPr lang="en-US" smtClean="0"/>
+              <a:pPr/>
               <a:t>‹#›</a:t>
             </a:fld>
             <a:endParaRPr lang="en-US"/>
@@ -1850,7 +1865,8 @@
           <a:p>
             <a:fld id="{03711D71-09E3-4382-92F2-3BC8A6B0223D}" type="datetimeFigureOut">
               <a:rPr lang="en-US" smtClean="0"/>
-              <a:t>7/2/2017</a:t>
+              <a:pPr/>
+              <a:t>7/3/2017</a:t>
             </a:fld>
             <a:endParaRPr lang="en-US"/>
           </a:p>
@@ -1892,6 +1908,7 @@
           <a:p>
             <a:fld id="{12D9E974-292C-4D93-85F6-38813526C681}" type="slidenum">
               <a:rPr lang="en-US" smtClean="0"/>
+              <a:pPr/>
               <a:t>‹#›</a:t>
             </a:fld>
             <a:endParaRPr lang="en-US"/>
@@ -1940,7 +1957,8 @@
           <a:p>
             <a:fld id="{03711D71-09E3-4382-92F2-3BC8A6B0223D}" type="datetimeFigureOut">
               <a:rPr lang="en-US" smtClean="0"/>
-              <a:t>7/2/2017</a:t>
+              <a:pPr/>
+              <a:t>7/3/2017</a:t>
             </a:fld>
             <a:endParaRPr lang="en-US"/>
           </a:p>
@@ -1982,6 +2000,7 @@
           <a:p>
             <a:fld id="{12D9E974-292C-4D93-85F6-38813526C681}" type="slidenum">
               <a:rPr lang="en-US" smtClean="0"/>
+              <a:pPr/>
               <a:t>‹#›</a:t>
             </a:fld>
             <a:endParaRPr lang="en-US"/>
@@ -2212,7 +2231,8 @@
           <a:p>
             <a:fld id="{03711D71-09E3-4382-92F2-3BC8A6B0223D}" type="datetimeFigureOut">
               <a:rPr lang="en-US" smtClean="0"/>
-              <a:t>7/2/2017</a:t>
+              <a:pPr/>
+              <a:t>7/3/2017</a:t>
             </a:fld>
             <a:endParaRPr lang="en-US"/>
           </a:p>
@@ -2254,6 +2274,7 @@
           <a:p>
             <a:fld id="{12D9E974-292C-4D93-85F6-38813526C681}" type="slidenum">
               <a:rPr lang="en-US" smtClean="0"/>
+              <a:pPr/>
               <a:t>‹#›</a:t>
             </a:fld>
             <a:endParaRPr lang="en-US"/>
@@ -2460,7 +2481,8 @@
           <a:p>
             <a:fld id="{03711D71-09E3-4382-92F2-3BC8A6B0223D}" type="datetimeFigureOut">
               <a:rPr lang="en-US" smtClean="0"/>
-              <a:t>7/2/2017</a:t>
+              <a:pPr/>
+              <a:t>7/3/2017</a:t>
             </a:fld>
             <a:endParaRPr lang="en-US"/>
           </a:p>
@@ -2502,6 +2524,7 @@
           <a:p>
             <a:fld id="{12D9E974-292C-4D93-85F6-38813526C681}" type="slidenum">
               <a:rPr lang="en-US" smtClean="0"/>
+              <a:pPr/>
               <a:t>‹#›</a:t>
             </a:fld>
             <a:endParaRPr lang="en-US"/>
@@ -2668,7 +2691,8 @@
           <a:p>
             <a:fld id="{03711D71-09E3-4382-92F2-3BC8A6B0223D}" type="datetimeFigureOut">
               <a:rPr lang="en-US" smtClean="0"/>
-              <a:t>7/2/2017</a:t>
+              <a:pPr/>
+              <a:t>7/3/2017</a:t>
             </a:fld>
             <a:endParaRPr lang="en-US"/>
           </a:p>
@@ -2746,6 +2770,7 @@
           <a:p>
             <a:fld id="{12D9E974-292C-4D93-85F6-38813526C681}" type="slidenum">
               <a:rPr lang="en-US" smtClean="0"/>
+              <a:pPr/>
               <a:t>‹#›</a:t>
             </a:fld>
             <a:endParaRPr lang="en-US"/>
@@ -3456,6 +3481,98 @@
           <a:effectLst/>
         </p:spPr>
       </p:pic>
+    </p:spTree>
+  </p:cSld>
+  <p:clrMapOvr>
+    <a:masterClrMapping/>
+  </p:clrMapOvr>
+</p:sld>
+</file>
+
+<file path=ppt/slides/slide5.xml><?xml version="1.0" encoding="utf-8"?>
+<p:sld xmlns:a="http://schemas.openxmlformats.org/drawingml/2006/main" xmlns:r="http://schemas.openxmlformats.org/officeDocument/2006/relationships" xmlns:p="http://schemas.openxmlformats.org/presentationml/2006/main">
+  <p:cSld>
+    <p:spTree>
+      <p:nvGrpSpPr>
+        <p:cNvPr id="1" name=""/>
+        <p:cNvGrpSpPr/>
+        <p:nvPr/>
+      </p:nvGrpSpPr>
+      <p:grpSpPr>
+        <a:xfrm>
+          <a:off x="0" y="0"/>
+          <a:ext cx="0" cy="0"/>
+          <a:chOff x="0" y="0"/>
+          <a:chExt cx="0" cy="0"/>
+        </a:xfrm>
+      </p:grpSpPr>
+      <p:pic>
+        <p:nvPicPr>
+          <p:cNvPr id="1026" name="Picture 2"/>
+          <p:cNvPicPr>
+            <a:picLocks noChangeAspect="1" noChangeArrowheads="1"/>
+          </p:cNvPicPr>
+          <p:nvPr/>
+        </p:nvPicPr>
+        <p:blipFill>
+          <a:blip r:embed="rId2"/>
+          <a:srcRect/>
+          <a:stretch>
+            <a:fillRect/>
+          </a:stretch>
+        </p:blipFill>
+        <p:spPr bwMode="auto">
+          <a:xfrm>
+            <a:off x="304800" y="1066800"/>
+            <a:ext cx="8544512" cy="5334000"/>
+          </a:xfrm>
+          <a:prstGeom prst="rect">
+            <a:avLst/>
+          </a:prstGeom>
+          <a:noFill/>
+          <a:ln w="9525">
+            <a:noFill/>
+            <a:miter lim="800000"/>
+            <a:headEnd/>
+            <a:tailEnd/>
+          </a:ln>
+          <a:effectLst/>
+        </p:spPr>
+      </p:pic>
+      <p:sp>
+        <p:nvSpPr>
+          <p:cNvPr id="3" name="TextBox 2"/>
+          <p:cNvSpPr txBox="1"/>
+          <p:nvPr/>
+        </p:nvSpPr>
+        <p:spPr>
+          <a:xfrm>
+            <a:off x="990600" y="533400"/>
+            <a:ext cx="1143455" cy="369332"/>
+          </a:xfrm>
+          <a:prstGeom prst="rect">
+            <a:avLst/>
+          </a:prstGeom>
+          <a:noFill/>
+        </p:spPr>
+        <p:txBody>
+          <a:bodyPr wrap="none" rtlCol="0">
+            <a:spAutoFit/>
+          </a:bodyPr>
+          <a:lstStyle/>
+          <a:p>
+            <a:r>
+              <a:rPr lang="en-US" dirty="0" err="1" smtClean="0"/>
+              <a:t>Git</a:t>
+            </a:r>
+            <a:r>
+              <a:rPr lang="en-US" smtClean="0"/>
+              <a:t> rebase</a:t>
+            </a:r>
+            <a:endParaRPr lang="en-US"/>
+          </a:p>
+        </p:txBody>
+      </p:sp>
     </p:spTree>
   </p:cSld>
   <p:clrMapOvr>

--- a/Presentation1.pptx
+++ b/Presentation1.pptx
@@ -10,6 +10,10 @@
     <p:sldId id="258" r:id="rId4"/>
     <p:sldId id="259" r:id="rId5"/>
     <p:sldId id="260" r:id="rId6"/>
+    <p:sldId id="261" r:id="rId7"/>
+    <p:sldId id="262" r:id="rId8"/>
+    <p:sldId id="263" r:id="rId9"/>
+    <p:sldId id="264" r:id="rId10"/>
   </p:sldIdLst>
   <p:sldSz cx="9144000" cy="6858000" type="screen4x3"/>
   <p:notesSz cx="6858000" cy="9144000"/>
@@ -3573,6 +3577,334 @@
           </a:p>
         </p:txBody>
       </p:sp>
+    </p:spTree>
+  </p:cSld>
+  <p:clrMapOvr>
+    <a:masterClrMapping/>
+  </p:clrMapOvr>
+</p:sld>
+</file>
+
+<file path=ppt/slides/slide6.xml><?xml version="1.0" encoding="utf-8"?>
+<p:sld xmlns:a="http://schemas.openxmlformats.org/drawingml/2006/main" xmlns:r="http://schemas.openxmlformats.org/officeDocument/2006/relationships" xmlns:p="http://schemas.openxmlformats.org/presentationml/2006/main">
+  <p:cSld>
+    <p:spTree>
+      <p:nvGrpSpPr>
+        <p:cNvPr id="1" name=""/>
+        <p:cNvGrpSpPr/>
+        <p:nvPr/>
+      </p:nvGrpSpPr>
+      <p:grpSpPr>
+        <a:xfrm>
+          <a:off x="0" y="0"/>
+          <a:ext cx="0" cy="0"/>
+          <a:chOff x="0" y="0"/>
+          <a:chExt cx="0" cy="0"/>
+        </a:xfrm>
+      </p:grpSpPr>
+      <p:pic>
+        <p:nvPicPr>
+          <p:cNvPr id="1026" name="Picture 2"/>
+          <p:cNvPicPr>
+            <a:picLocks noChangeAspect="1" noChangeArrowheads="1"/>
+          </p:cNvPicPr>
+          <p:nvPr/>
+        </p:nvPicPr>
+        <p:blipFill>
+          <a:blip r:embed="rId2"/>
+          <a:srcRect/>
+          <a:stretch>
+            <a:fillRect/>
+          </a:stretch>
+        </p:blipFill>
+        <p:spPr bwMode="auto">
+          <a:xfrm>
+            <a:off x="1404938" y="1957388"/>
+            <a:ext cx="6334125" cy="2943225"/>
+          </a:xfrm>
+          <a:prstGeom prst="rect">
+            <a:avLst/>
+          </a:prstGeom>
+          <a:noFill/>
+          <a:ln w="9525">
+            <a:noFill/>
+            <a:miter lim="800000"/>
+            <a:headEnd/>
+            <a:tailEnd/>
+          </a:ln>
+          <a:effectLst/>
+        </p:spPr>
+      </p:pic>
+    </p:spTree>
+  </p:cSld>
+  <p:clrMapOvr>
+    <a:masterClrMapping/>
+  </p:clrMapOvr>
+</p:sld>
+</file>
+
+<file path=ppt/slides/slide7.xml><?xml version="1.0" encoding="utf-8"?>
+<p:sld xmlns:a="http://schemas.openxmlformats.org/drawingml/2006/main" xmlns:r="http://schemas.openxmlformats.org/officeDocument/2006/relationships" xmlns:p="http://schemas.openxmlformats.org/presentationml/2006/main">
+  <p:cSld>
+    <p:spTree>
+      <p:nvGrpSpPr>
+        <p:cNvPr id="1" name=""/>
+        <p:cNvGrpSpPr/>
+        <p:nvPr/>
+      </p:nvGrpSpPr>
+      <p:grpSpPr>
+        <a:xfrm>
+          <a:off x="0" y="0"/>
+          <a:ext cx="0" cy="0"/>
+          <a:chOff x="0" y="0"/>
+          <a:chExt cx="0" cy="0"/>
+        </a:xfrm>
+      </p:grpSpPr>
+      <p:pic>
+        <p:nvPicPr>
+          <p:cNvPr id="2050" name="Picture 2"/>
+          <p:cNvPicPr>
+            <a:picLocks noChangeAspect="1" noChangeArrowheads="1"/>
+          </p:cNvPicPr>
+          <p:nvPr/>
+        </p:nvPicPr>
+        <p:blipFill>
+          <a:blip r:embed="rId2"/>
+          <a:srcRect/>
+          <a:stretch>
+            <a:fillRect/>
+          </a:stretch>
+        </p:blipFill>
+        <p:spPr bwMode="auto">
+          <a:xfrm>
+            <a:off x="1366838" y="2166938"/>
+            <a:ext cx="6410325" cy="2524125"/>
+          </a:xfrm>
+          <a:prstGeom prst="rect">
+            <a:avLst/>
+          </a:prstGeom>
+          <a:noFill/>
+          <a:ln w="9525">
+            <a:noFill/>
+            <a:miter lim="800000"/>
+            <a:headEnd/>
+            <a:tailEnd/>
+          </a:ln>
+          <a:effectLst/>
+        </p:spPr>
+      </p:pic>
+      <p:sp>
+        <p:nvSpPr>
+          <p:cNvPr id="3" name="TextBox 2"/>
+          <p:cNvSpPr txBox="1"/>
+          <p:nvPr/>
+        </p:nvSpPr>
+        <p:spPr>
+          <a:xfrm>
+            <a:off x="1447800" y="1219200"/>
+            <a:ext cx="1533561" cy="369332"/>
+          </a:xfrm>
+          <a:prstGeom prst="rect">
+            <a:avLst/>
+          </a:prstGeom>
+          <a:noFill/>
+        </p:spPr>
+        <p:txBody>
+          <a:bodyPr wrap="none" rtlCol="0">
+            <a:spAutoFit/>
+          </a:bodyPr>
+          <a:lstStyle/>
+          <a:p>
+            <a:r>
+              <a:rPr lang="en-US" dirty="0" smtClean="0"/>
+              <a:t>After merging </a:t>
+            </a:r>
+            <a:endParaRPr lang="en-US" dirty="0"/>
+          </a:p>
+        </p:txBody>
+      </p:sp>
+    </p:spTree>
+  </p:cSld>
+  <p:clrMapOvr>
+    <a:masterClrMapping/>
+  </p:clrMapOvr>
+</p:sld>
+</file>
+
+<file path=ppt/slides/slide8.xml><?xml version="1.0" encoding="utf-8"?>
+<p:sld xmlns:a="http://schemas.openxmlformats.org/drawingml/2006/main" xmlns:r="http://schemas.openxmlformats.org/officeDocument/2006/relationships" xmlns:p="http://schemas.openxmlformats.org/presentationml/2006/main">
+  <p:cSld>
+    <p:spTree>
+      <p:nvGrpSpPr>
+        <p:cNvPr id="1" name=""/>
+        <p:cNvGrpSpPr/>
+        <p:nvPr/>
+      </p:nvGrpSpPr>
+      <p:grpSpPr>
+        <a:xfrm>
+          <a:off x="0" y="0"/>
+          <a:ext cx="0" cy="0"/>
+          <a:chOff x="0" y="0"/>
+          <a:chExt cx="0" cy="0"/>
+        </a:xfrm>
+      </p:grpSpPr>
+      <p:pic>
+        <p:nvPicPr>
+          <p:cNvPr id="3074" name="Picture 2"/>
+          <p:cNvPicPr>
+            <a:picLocks noChangeAspect="1" noChangeArrowheads="1"/>
+          </p:cNvPicPr>
+          <p:nvPr/>
+        </p:nvPicPr>
+        <p:blipFill>
+          <a:blip r:embed="rId2"/>
+          <a:srcRect/>
+          <a:stretch>
+            <a:fillRect/>
+          </a:stretch>
+        </p:blipFill>
+        <p:spPr bwMode="auto">
+          <a:xfrm>
+            <a:off x="457200" y="304800"/>
+            <a:ext cx="3981450" cy="790575"/>
+          </a:xfrm>
+          <a:prstGeom prst="rect">
+            <a:avLst/>
+          </a:prstGeom>
+          <a:noFill/>
+          <a:ln w="9525">
+            <a:noFill/>
+            <a:miter lim="800000"/>
+            <a:headEnd/>
+            <a:tailEnd/>
+          </a:ln>
+          <a:effectLst/>
+        </p:spPr>
+      </p:pic>
+      <p:pic>
+        <p:nvPicPr>
+          <p:cNvPr id="3075" name="Picture 3"/>
+          <p:cNvPicPr>
+            <a:picLocks noChangeAspect="1" noChangeArrowheads="1"/>
+          </p:cNvPicPr>
+          <p:nvPr/>
+        </p:nvPicPr>
+        <p:blipFill>
+          <a:blip r:embed="rId3"/>
+          <a:srcRect/>
+          <a:stretch>
+            <a:fillRect/>
+          </a:stretch>
+        </p:blipFill>
+        <p:spPr bwMode="auto">
+          <a:xfrm>
+            <a:off x="762000" y="2438400"/>
+            <a:ext cx="7340764" cy="2743200"/>
+          </a:xfrm>
+          <a:prstGeom prst="rect">
+            <a:avLst/>
+          </a:prstGeom>
+          <a:noFill/>
+          <a:ln w="9525">
+            <a:noFill/>
+            <a:miter lim="800000"/>
+            <a:headEnd/>
+            <a:tailEnd/>
+          </a:ln>
+          <a:effectLst/>
+        </p:spPr>
+      </p:pic>
+    </p:spTree>
+  </p:cSld>
+  <p:clrMapOvr>
+    <a:masterClrMapping/>
+  </p:clrMapOvr>
+</p:sld>
+</file>
+
+<file path=ppt/slides/slide9.xml><?xml version="1.0" encoding="utf-8"?>
+<p:sld xmlns:a="http://schemas.openxmlformats.org/drawingml/2006/main" xmlns:r="http://schemas.openxmlformats.org/officeDocument/2006/relationships" xmlns:p="http://schemas.openxmlformats.org/presentationml/2006/main">
+  <p:cSld>
+    <p:spTree>
+      <p:nvGrpSpPr>
+        <p:cNvPr id="1" name=""/>
+        <p:cNvGrpSpPr/>
+        <p:nvPr/>
+      </p:nvGrpSpPr>
+      <p:grpSpPr>
+        <a:xfrm>
+          <a:off x="0" y="0"/>
+          <a:ext cx="0" cy="0"/>
+          <a:chOff x="0" y="0"/>
+          <a:chExt cx="0" cy="0"/>
+        </a:xfrm>
+      </p:grpSpPr>
+      <p:pic>
+        <p:nvPicPr>
+          <p:cNvPr id="4098" name="Picture 2"/>
+          <p:cNvPicPr>
+            <a:picLocks noChangeAspect="1" noChangeArrowheads="1"/>
+          </p:cNvPicPr>
+          <p:nvPr/>
+        </p:nvPicPr>
+        <p:blipFill>
+          <a:blip r:embed="rId2"/>
+          <a:srcRect/>
+          <a:stretch>
+            <a:fillRect/>
+          </a:stretch>
+        </p:blipFill>
+        <p:spPr bwMode="auto">
+          <a:xfrm>
+            <a:off x="228600" y="228600"/>
+            <a:ext cx="2271713" cy="428625"/>
+          </a:xfrm>
+          <a:prstGeom prst="rect">
+            <a:avLst/>
+          </a:prstGeom>
+          <a:noFill/>
+          <a:ln w="9525">
+            <a:noFill/>
+            <a:miter lim="800000"/>
+            <a:headEnd/>
+            <a:tailEnd/>
+          </a:ln>
+          <a:effectLst/>
+        </p:spPr>
+      </p:pic>
+      <p:pic>
+        <p:nvPicPr>
+          <p:cNvPr id="4099" name="Picture 3"/>
+          <p:cNvPicPr>
+            <a:picLocks noChangeAspect="1" noChangeArrowheads="1"/>
+          </p:cNvPicPr>
+          <p:nvPr/>
+        </p:nvPicPr>
+        <p:blipFill>
+          <a:blip r:embed="rId3"/>
+          <a:srcRect/>
+          <a:stretch>
+            <a:fillRect/>
+          </a:stretch>
+        </p:blipFill>
+        <p:spPr bwMode="auto">
+          <a:xfrm>
+            <a:off x="1066800" y="1981200"/>
+            <a:ext cx="7038975" cy="2657475"/>
+          </a:xfrm>
+          <a:prstGeom prst="rect">
+            <a:avLst/>
+          </a:prstGeom>
+          <a:noFill/>
+          <a:ln w="9525">
+            <a:noFill/>
+            <a:miter lim="800000"/>
+            <a:headEnd/>
+            <a:tailEnd/>
+          </a:ln>
+          <a:effectLst/>
+        </p:spPr>
+      </p:pic>
     </p:spTree>
   </p:cSld>
   <p:clrMapOvr>
